--- a/EC2.pptx
+++ b/EC2.pptx
@@ -7,6 +7,7 @@
   <p:sldIdLst>
     <p:sldId id="256" r:id="rId2"/>
     <p:sldId id="257" r:id="rId3"/>
+    <p:sldId id="258" r:id="rId4"/>
   </p:sldIdLst>
   <p:sldSz cx="12192000" cy="6858000"/>
   <p:notesSz cx="6858000" cy="9144000"/>
@@ -269,7 +270,7 @@
           <a:p>
             <a:fld id="{02AC24A9-CCB6-4F8D-B8DB-C2F3692CFA5A}" type="datetimeFigureOut">
               <a:rPr lang="en-US" smtClean="0"/>
-              <a:t>8/13/23</a:t>
+              <a:t>8/14/23</a:t>
             </a:fld>
             <a:endParaRPr lang="en-US" dirty="0"/>
           </a:p>
@@ -639,7 +640,7 @@
           <a:p>
             <a:fld id="{02AC24A9-CCB6-4F8D-B8DB-C2F3692CFA5A}" type="datetimeFigureOut">
               <a:rPr lang="en-US" smtClean="0"/>
-              <a:t>8/13/23</a:t>
+              <a:t>8/14/23</a:t>
             </a:fld>
             <a:endParaRPr lang="en-US"/>
           </a:p>
@@ -848,7 +849,7 @@
           <a:p>
             <a:fld id="{02AC24A9-CCB6-4F8D-B8DB-C2F3692CFA5A}" type="datetimeFigureOut">
               <a:rPr lang="en-US" smtClean="0"/>
-              <a:t>8/13/23</a:t>
+              <a:t>8/14/23</a:t>
             </a:fld>
             <a:endParaRPr lang="en-US"/>
           </a:p>
@@ -1318,7 +1319,7 @@
           <a:p>
             <a:fld id="{02AC24A9-CCB6-4F8D-B8DB-C2F3692CFA5A}" type="datetimeFigureOut">
               <a:rPr lang="en-US" smtClean="0"/>
-              <a:t>8/13/23</a:t>
+              <a:t>8/14/23</a:t>
             </a:fld>
             <a:endParaRPr lang="en-US"/>
           </a:p>
@@ -1772,7 +1773,7 @@
           <a:p>
             <a:fld id="{02AC24A9-CCB6-4F8D-B8DB-C2F3692CFA5A}" type="datetimeFigureOut">
               <a:rPr lang="en-US" smtClean="0"/>
-              <a:t>8/13/23</a:t>
+              <a:t>8/14/23</a:t>
             </a:fld>
             <a:endParaRPr lang="en-US"/>
           </a:p>
@@ -2304,7 +2305,7 @@
           <a:p>
             <a:fld id="{02AC24A9-CCB6-4F8D-B8DB-C2F3692CFA5A}" type="datetimeFigureOut">
               <a:rPr lang="en-US" smtClean="0"/>
-              <a:t>8/13/23</a:t>
+              <a:t>8/14/23</a:t>
             </a:fld>
             <a:endParaRPr lang="en-US"/>
           </a:p>
@@ -3003,7 +3004,7 @@
           <a:p>
             <a:fld id="{02AC24A9-CCB6-4F8D-B8DB-C2F3692CFA5A}" type="datetimeFigureOut">
               <a:rPr lang="en-US" smtClean="0"/>
-              <a:t>8/13/23</a:t>
+              <a:t>8/14/23</a:t>
             </a:fld>
             <a:endParaRPr lang="en-US"/>
           </a:p>
@@ -3332,7 +3333,7 @@
           <a:p>
             <a:fld id="{02AC24A9-CCB6-4F8D-B8DB-C2F3692CFA5A}" type="datetimeFigureOut">
               <a:rPr lang="en-US" smtClean="0"/>
-              <a:t>8/13/23</a:t>
+              <a:t>8/14/23</a:t>
             </a:fld>
             <a:endParaRPr lang="en-US"/>
           </a:p>
@@ -3445,7 +3446,7 @@
           <a:p>
             <a:fld id="{02AC24A9-CCB6-4F8D-B8DB-C2F3692CFA5A}" type="datetimeFigureOut">
               <a:rPr lang="en-US" smtClean="0"/>
-              <a:t>8/13/23</a:t>
+              <a:t>8/14/23</a:t>
             </a:fld>
             <a:endParaRPr lang="en-US"/>
           </a:p>
@@ -3940,7 +3941,7 @@
           <a:p>
             <a:fld id="{02AC24A9-CCB6-4F8D-B8DB-C2F3692CFA5A}" type="datetimeFigureOut">
               <a:rPr lang="en-US" smtClean="0"/>
-              <a:t>8/13/23</a:t>
+              <a:t>8/14/23</a:t>
             </a:fld>
             <a:endParaRPr lang="en-US" dirty="0"/>
           </a:p>
@@ -4417,7 +4418,7 @@
           <a:p>
             <a:fld id="{02AC24A9-CCB6-4F8D-B8DB-C2F3692CFA5A}" type="datetimeFigureOut">
               <a:rPr lang="en-US" smtClean="0"/>
-              <a:t>8/13/23</a:t>
+              <a:t>8/14/23</a:t>
             </a:fld>
             <a:endParaRPr lang="en-US"/>
           </a:p>
@@ -4660,7 +4661,7 @@
           <a:p>
             <a:fld id="{02AC24A9-CCB6-4F8D-B8DB-C2F3692CFA5A}" type="datetimeFigureOut">
               <a:rPr lang="en-US" smtClean="0"/>
-              <a:t>8/13/23</a:t>
+              <a:t>8/14/23</a:t>
             </a:fld>
             <a:endParaRPr lang="en-US"/>
           </a:p>
@@ -7405,6 +7406,1144 @@
 </p:sld>
 </file>
 
+<file path=ppt/slides/slide3.xml><?xml version="1.0" encoding="utf-8"?>
+<p:sld xmlns:a="http://schemas.openxmlformats.org/drawingml/2006/main" xmlns:r="http://schemas.openxmlformats.org/officeDocument/2006/relationships" xmlns:p="http://schemas.openxmlformats.org/presentationml/2006/main">
+  <p:cSld>
+    <p:bg>
+      <p:bgPr>
+        <a:solidFill>
+          <a:schemeClr val="bg1"/>
+        </a:solidFill>
+        <a:effectLst/>
+      </p:bgPr>
+    </p:bg>
+    <p:spTree>
+      <p:nvGrpSpPr>
+        <p:cNvPr id="1" name=""/>
+        <p:cNvGrpSpPr/>
+        <p:nvPr/>
+      </p:nvGrpSpPr>
+      <p:grpSpPr>
+        <a:xfrm>
+          <a:off x="0" y="0"/>
+          <a:ext cx="0" cy="0"/>
+          <a:chOff x="0" y="0"/>
+          <a:chExt cx="0" cy="0"/>
+        </a:xfrm>
+      </p:grpSpPr>
+      <p:sp useBgFill="1">
+        <p:nvSpPr>
+          <p:cNvPr id="1031" name="Rectangle 1030">
+            <a:extLst>
+              <a:ext uri="{FF2B5EF4-FFF2-40B4-BE49-F238E27FC236}">
+                <a16:creationId xmlns:a16="http://schemas.microsoft.com/office/drawing/2014/main" id="{2D6FBB9D-1CAA-4D05-AB33-BABDFE17B843}"/>
+              </a:ext>
+              <a:ext uri="{C183D7F6-B498-43B3-948B-1728B52AA6E4}">
+                <adec:decorative xmlns:adec="http://schemas.microsoft.com/office/drawing/2017/decorative" val="1"/>
+              </a:ext>
+            </a:extLst>
+          </p:cNvPr>
+          <p:cNvSpPr>
+            <a:spLocks noGrp="1" noRot="1" noChangeAspect="1" noMove="1" noResize="1" noEditPoints="1" noAdjustHandles="1" noChangeArrowheads="1" noChangeShapeType="1" noTextEdit="1"/>
+          </p:cNvSpPr>
+          <p:nvPr>
+            <p:extLst>
+              <p:ext uri="{386F3935-93C4-4BCD-93E2-E3B085C9AB24}">
+                <p16:designElem xmlns:p16="http://schemas.microsoft.com/office/powerpoint/2015/main" val="1"/>
+              </p:ext>
+            </p:extLst>
+          </p:nvPr>
+        </p:nvSpPr>
+        <p:spPr>
+          <a:xfrm>
+            <a:off x="558209" y="0"/>
+            <a:ext cx="11167447" cy="2018806"/>
+          </a:xfrm>
+          <a:prstGeom prst="rect">
+            <a:avLst/>
+          </a:prstGeom>
+          <a:ln w="9525">
+            <a:solidFill>
+              <a:schemeClr val="tx2">
+                <a:lumMod val="10000"/>
+                <a:lumOff val="90000"/>
+              </a:schemeClr>
+            </a:solidFill>
+          </a:ln>
+          <a:effectLst>
+            <a:outerShdw blurRad="50800" dist="38100" dir="2700000" algn="tl" rotWithShape="0">
+              <a:schemeClr val="bg1">
+                <a:lumMod val="85000"/>
+                <a:alpha val="30000"/>
+              </a:schemeClr>
+            </a:outerShdw>
+          </a:effectLst>
+        </p:spPr>
+        <p:style>
+          <a:lnRef idx="2">
+            <a:schemeClr val="accent1">
+              <a:shade val="50000"/>
+            </a:schemeClr>
+          </a:lnRef>
+          <a:fillRef idx="1">
+            <a:schemeClr val="accent1"/>
+          </a:fillRef>
+          <a:effectRef idx="0">
+            <a:schemeClr val="accent1"/>
+          </a:effectRef>
+          <a:fontRef idx="minor">
+            <a:schemeClr val="lt1"/>
+          </a:fontRef>
+        </p:style>
+        <p:txBody>
+          <a:bodyPr rtlCol="0" anchor="ctr"/>
+          <a:lstStyle/>
+          <a:p>
+            <a:pPr marL="0" marR="0" lvl="0" indent="0" algn="ctr" defTabSz="914400" rtl="0" eaLnBrk="1" fontAlgn="auto" latinLnBrk="0" hangingPunct="1">
+              <a:lnSpc>
+                <a:spcPct val="100000"/>
+              </a:lnSpc>
+              <a:spcBef>
+                <a:spcPts val="0"/>
+              </a:spcBef>
+              <a:spcAft>
+                <a:spcPts val="0"/>
+              </a:spcAft>
+              <a:buClrTx/>
+              <a:buSzTx/>
+              <a:buFontTx/>
+              <a:buNone/>
+              <a:tabLst/>
+              <a:defRPr/>
+            </a:pPr>
+            <a:endParaRPr kumimoji="0" lang="en-US" sz="1800" b="0" i="0" u="none" strike="noStrike" kern="1200" cap="none" spc="0" normalizeH="0" baseline="0" noProof="0">
+              <a:ln>
+                <a:noFill/>
+              </a:ln>
+              <a:solidFill>
+                <a:prstClr val="white"/>
+              </a:solidFill>
+              <a:effectLst/>
+              <a:uLnTx/>
+              <a:uFillTx/>
+              <a:latin typeface="Calibri" panose="020F0502020204030204"/>
+              <a:ea typeface="+mn-ea"/>
+              <a:cs typeface="+mn-cs"/>
+            </a:endParaRPr>
+          </a:p>
+        </p:txBody>
+      </p:sp>
+      <p:sp useBgFill="1">
+        <p:nvSpPr>
+          <p:cNvPr id="1033" name="Rectangle 1032">
+            <a:extLst>
+              <a:ext uri="{FF2B5EF4-FFF2-40B4-BE49-F238E27FC236}">
+                <a16:creationId xmlns:a16="http://schemas.microsoft.com/office/drawing/2014/main" id="{04727B71-B4B6-4823-80A1-68C40B475118}"/>
+              </a:ext>
+              <a:ext uri="{C183D7F6-B498-43B3-948B-1728B52AA6E4}">
+                <adec:decorative xmlns:adec="http://schemas.microsoft.com/office/drawing/2017/decorative" val="1"/>
+              </a:ext>
+            </a:extLst>
+          </p:cNvPr>
+          <p:cNvSpPr>
+            <a:spLocks noGrp="1" noRot="1" noChangeAspect="1" noMove="1" noResize="1" noEditPoints="1" noAdjustHandles="1" noChangeArrowheads="1" noChangeShapeType="1" noTextEdit="1"/>
+          </p:cNvSpPr>
+          <p:nvPr>
+            <p:extLst>
+              <p:ext uri="{386F3935-93C4-4BCD-93E2-E3B085C9AB24}">
+                <p16:designElem xmlns:p16="http://schemas.microsoft.com/office/powerpoint/2015/main" val="1"/>
+              </p:ext>
+            </p:extLst>
+          </p:nvPr>
+        </p:nvSpPr>
+        <p:spPr>
+          <a:xfrm>
+            <a:off x="566928" y="0"/>
+            <a:ext cx="11155680" cy="2011680"/>
+          </a:xfrm>
+          <a:prstGeom prst="rect">
+            <a:avLst/>
+          </a:prstGeom>
+          <a:ln w="9525">
+            <a:noFill/>
+          </a:ln>
+          <a:effectLst/>
+        </p:spPr>
+        <p:style>
+          <a:lnRef idx="2">
+            <a:schemeClr val="accent1">
+              <a:shade val="50000"/>
+            </a:schemeClr>
+          </a:lnRef>
+          <a:fillRef idx="1">
+            <a:schemeClr val="accent1"/>
+          </a:fillRef>
+          <a:effectRef idx="0">
+            <a:schemeClr val="accent1"/>
+          </a:effectRef>
+          <a:fontRef idx="minor">
+            <a:schemeClr val="lt1"/>
+          </a:fontRef>
+        </p:style>
+        <p:txBody>
+          <a:bodyPr rtlCol="0" anchor="ctr"/>
+          <a:lstStyle/>
+          <a:p>
+            <a:pPr marL="0" marR="0" lvl="0" indent="0" algn="ctr" defTabSz="914400" rtl="0" eaLnBrk="1" fontAlgn="auto" latinLnBrk="0" hangingPunct="1">
+              <a:lnSpc>
+                <a:spcPct val="100000"/>
+              </a:lnSpc>
+              <a:spcBef>
+                <a:spcPts val="0"/>
+              </a:spcBef>
+              <a:spcAft>
+                <a:spcPts val="0"/>
+              </a:spcAft>
+              <a:buClrTx/>
+              <a:buSzTx/>
+              <a:buFontTx/>
+              <a:buNone/>
+              <a:tabLst/>
+              <a:defRPr/>
+            </a:pPr>
+            <a:endParaRPr kumimoji="0" lang="en-US" sz="1800" b="0" i="0" u="none" strike="noStrike" kern="1200" cap="none" spc="0" normalizeH="0" baseline="0" noProof="0">
+              <a:ln>
+                <a:noFill/>
+              </a:ln>
+              <a:solidFill>
+                <a:prstClr val="white"/>
+              </a:solidFill>
+              <a:effectLst/>
+              <a:uLnTx/>
+              <a:uFillTx/>
+              <a:latin typeface="Calibri" panose="020F0502020204030204"/>
+              <a:ea typeface="+mn-ea"/>
+              <a:cs typeface="+mn-cs"/>
+            </a:endParaRPr>
+          </a:p>
+        </p:txBody>
+      </p:sp>
+      <p:sp>
+        <p:nvSpPr>
+          <p:cNvPr id="1035" name="Rectangle 1034">
+            <a:extLst>
+              <a:ext uri="{FF2B5EF4-FFF2-40B4-BE49-F238E27FC236}">
+                <a16:creationId xmlns:a16="http://schemas.microsoft.com/office/drawing/2014/main" id="{79A6DB05-9FB5-4B07-8675-74C23D4FD89D}"/>
+              </a:ext>
+              <a:ext uri="{C183D7F6-B498-43B3-948B-1728B52AA6E4}">
+                <adec:decorative xmlns:adec="http://schemas.microsoft.com/office/drawing/2017/decorative" val="1"/>
+              </a:ext>
+            </a:extLst>
+          </p:cNvPr>
+          <p:cNvSpPr>
+            <a:spLocks noGrp="1" noRot="1" noChangeAspect="1" noMove="1" noResize="1" noEditPoints="1" noAdjustHandles="1" noChangeArrowheads="1" noChangeShapeType="1" noTextEdit="1"/>
+          </p:cNvSpPr>
+          <p:nvPr>
+            <p:extLst>
+              <p:ext uri="{386F3935-93C4-4BCD-93E2-E3B085C9AB24}">
+                <p16:designElem xmlns:p16="http://schemas.microsoft.com/office/powerpoint/2015/main" val="1"/>
+              </p:ext>
+            </p:extLst>
+          </p:nvPr>
+        </p:nvSpPr>
+        <p:spPr>
+          <a:xfrm>
+            <a:off x="498834" y="787352"/>
+            <a:ext cx="128016" cy="704088"/>
+          </a:xfrm>
+          <a:prstGeom prst="rect">
+            <a:avLst/>
+          </a:prstGeom>
+          <a:solidFill>
+            <a:schemeClr val="accent1"/>
+          </a:solidFill>
+          <a:ln>
+            <a:noFill/>
+          </a:ln>
+        </p:spPr>
+        <p:style>
+          <a:lnRef idx="2">
+            <a:schemeClr val="accent1">
+              <a:shade val="50000"/>
+            </a:schemeClr>
+          </a:lnRef>
+          <a:fillRef idx="1">
+            <a:schemeClr val="accent1"/>
+          </a:fillRef>
+          <a:effectRef idx="0">
+            <a:schemeClr val="accent1"/>
+          </a:effectRef>
+          <a:fontRef idx="minor">
+            <a:schemeClr val="lt1"/>
+          </a:fontRef>
+        </p:style>
+        <p:txBody>
+          <a:bodyPr rtlCol="0" anchor="ctr"/>
+          <a:lstStyle/>
+          <a:p>
+            <a:pPr marL="0" marR="0" lvl="0" indent="0" algn="ctr" defTabSz="914400" rtl="0" eaLnBrk="1" fontAlgn="auto" latinLnBrk="0" hangingPunct="1">
+              <a:lnSpc>
+                <a:spcPct val="100000"/>
+              </a:lnSpc>
+              <a:spcBef>
+                <a:spcPts val="0"/>
+              </a:spcBef>
+              <a:spcAft>
+                <a:spcPts val="0"/>
+              </a:spcAft>
+              <a:buClrTx/>
+              <a:buSzTx/>
+              <a:buFontTx/>
+              <a:buNone/>
+              <a:tabLst/>
+              <a:defRPr/>
+            </a:pPr>
+            <a:endParaRPr kumimoji="0" lang="en-US" sz="1800" b="0" i="0" u="none" strike="noStrike" kern="1200" cap="none" spc="0" normalizeH="0" baseline="0" noProof="0">
+              <a:ln>
+                <a:noFill/>
+              </a:ln>
+              <a:solidFill>
+                <a:prstClr val="white"/>
+              </a:solidFill>
+              <a:effectLst/>
+              <a:uLnTx/>
+              <a:uFillTx/>
+              <a:latin typeface="Calibri" panose="020F0502020204030204"/>
+              <a:ea typeface="+mn-ea"/>
+              <a:cs typeface="+mn-cs"/>
+            </a:endParaRPr>
+          </a:p>
+        </p:txBody>
+      </p:sp>
+      <p:sp useBgFill="1">
+        <p:nvSpPr>
+          <p:cNvPr id="1037" name="Rectangle 1036">
+            <a:extLst>
+              <a:ext uri="{FF2B5EF4-FFF2-40B4-BE49-F238E27FC236}">
+                <a16:creationId xmlns:a16="http://schemas.microsoft.com/office/drawing/2014/main" id="{84ECDE7A-6944-466D-8FFE-149A29BA6BAE}"/>
+              </a:ext>
+              <a:ext uri="{C183D7F6-B498-43B3-948B-1728B52AA6E4}">
+                <adec:decorative xmlns:adec="http://schemas.microsoft.com/office/drawing/2017/decorative" val="1"/>
+              </a:ext>
+            </a:extLst>
+          </p:cNvPr>
+          <p:cNvSpPr>
+            <a:spLocks noGrp="1" noRot="1" noChangeAspect="1" noMove="1" noResize="1" noEditPoints="1" noAdjustHandles="1" noChangeArrowheads="1" noChangeShapeType="1" noTextEdit="1"/>
+          </p:cNvSpPr>
+          <p:nvPr>
+            <p:extLst>
+              <p:ext uri="{386F3935-93C4-4BCD-93E2-E3B085C9AB24}">
+                <p16:designElem xmlns:p16="http://schemas.microsoft.com/office/powerpoint/2015/main" val="1"/>
+              </p:ext>
+            </p:extLst>
+          </p:nvPr>
+        </p:nvSpPr>
+        <p:spPr>
+          <a:xfrm>
+            <a:off x="0" y="0"/>
+            <a:ext cx="12192000" cy="6858000"/>
+          </a:xfrm>
+          <a:prstGeom prst="rect">
+            <a:avLst/>
+          </a:prstGeom>
+          <a:ln>
+            <a:noFill/>
+          </a:ln>
+        </p:spPr>
+        <p:style>
+          <a:lnRef idx="2">
+            <a:schemeClr val="accent1">
+              <a:shade val="50000"/>
+            </a:schemeClr>
+          </a:lnRef>
+          <a:fillRef idx="1">
+            <a:schemeClr val="accent1"/>
+          </a:fillRef>
+          <a:effectRef idx="0">
+            <a:schemeClr val="accent1"/>
+          </a:effectRef>
+          <a:fontRef idx="minor">
+            <a:schemeClr val="lt1"/>
+          </a:fontRef>
+        </p:style>
+        <p:txBody>
+          <a:bodyPr rtlCol="0" anchor="ctr"/>
+          <a:lstStyle/>
+          <a:p>
+            <a:pPr algn="ctr"/>
+            <a:endParaRPr lang="en-US"/>
+          </a:p>
+        </p:txBody>
+      </p:sp>
+      <p:sp useBgFill="1">
+        <p:nvSpPr>
+          <p:cNvPr id="1039" name="Rectangle 1038">
+            <a:extLst>
+              <a:ext uri="{FF2B5EF4-FFF2-40B4-BE49-F238E27FC236}">
+                <a16:creationId xmlns:a16="http://schemas.microsoft.com/office/drawing/2014/main" id="{B3420082-9415-44EC-802E-C77D71D59C57}"/>
+              </a:ext>
+              <a:ext uri="{C183D7F6-B498-43B3-948B-1728B52AA6E4}">
+                <adec:decorative xmlns:adec="http://schemas.microsoft.com/office/drawing/2017/decorative" val="1"/>
+              </a:ext>
+            </a:extLst>
+          </p:cNvPr>
+          <p:cNvSpPr>
+            <a:spLocks noGrp="1" noRot="1" noChangeAspect="1" noMove="1" noResize="1" noEditPoints="1" noAdjustHandles="1" noChangeArrowheads="1" noChangeShapeType="1" noTextEdit="1"/>
+          </p:cNvSpPr>
+          <p:nvPr>
+            <p:extLst>
+              <p:ext uri="{386F3935-93C4-4BCD-93E2-E3B085C9AB24}">
+                <p16:designElem xmlns:p16="http://schemas.microsoft.com/office/powerpoint/2015/main" val="1"/>
+              </p:ext>
+            </p:extLst>
+          </p:nvPr>
+        </p:nvSpPr>
+        <p:spPr>
+          <a:xfrm>
+            <a:off x="558209" y="0"/>
+            <a:ext cx="11167447" cy="2018806"/>
+          </a:xfrm>
+          <a:prstGeom prst="rect">
+            <a:avLst/>
+          </a:prstGeom>
+          <a:ln w="12700">
+            <a:solidFill>
+              <a:schemeClr val="tx2">
+                <a:lumMod val="10000"/>
+                <a:lumOff val="90000"/>
+              </a:schemeClr>
+            </a:solidFill>
+          </a:ln>
+          <a:effectLst>
+            <a:outerShdw blurRad="50800" dist="38100" dir="2700000" algn="tl" rotWithShape="0">
+              <a:schemeClr val="bg1">
+                <a:lumMod val="85000"/>
+                <a:alpha val="30000"/>
+              </a:schemeClr>
+            </a:outerShdw>
+          </a:effectLst>
+        </p:spPr>
+        <p:style>
+          <a:lnRef idx="2">
+            <a:schemeClr val="accent1">
+              <a:shade val="50000"/>
+            </a:schemeClr>
+          </a:lnRef>
+          <a:fillRef idx="1">
+            <a:schemeClr val="accent1"/>
+          </a:fillRef>
+          <a:effectRef idx="0">
+            <a:schemeClr val="accent1"/>
+          </a:effectRef>
+          <a:fontRef idx="minor">
+            <a:schemeClr val="lt1"/>
+          </a:fontRef>
+        </p:style>
+        <p:txBody>
+          <a:bodyPr rtlCol="0" anchor="ctr"/>
+          <a:lstStyle/>
+          <a:p>
+            <a:pPr marL="0" marR="0" lvl="0" indent="0" algn="ctr" defTabSz="914400" rtl="0" eaLnBrk="1" fontAlgn="auto" latinLnBrk="0" hangingPunct="1">
+              <a:lnSpc>
+                <a:spcPct val="100000"/>
+              </a:lnSpc>
+              <a:spcBef>
+                <a:spcPts val="0"/>
+              </a:spcBef>
+              <a:spcAft>
+                <a:spcPts val="0"/>
+              </a:spcAft>
+              <a:buClrTx/>
+              <a:buSzTx/>
+              <a:buFontTx/>
+              <a:buNone/>
+              <a:tabLst/>
+              <a:defRPr/>
+            </a:pPr>
+            <a:endParaRPr kumimoji="0" lang="en-US" sz="1800" b="0" i="0" u="none" strike="noStrike" kern="1200" cap="none" spc="0" normalizeH="0" baseline="0" noProof="0">
+              <a:ln>
+                <a:noFill/>
+              </a:ln>
+              <a:solidFill>
+                <a:prstClr val="white"/>
+              </a:solidFill>
+              <a:effectLst/>
+              <a:uLnTx/>
+              <a:uFillTx/>
+              <a:latin typeface="Calibri" panose="020F0502020204030204"/>
+              <a:ea typeface="+mn-ea"/>
+              <a:cs typeface="+mn-cs"/>
+            </a:endParaRPr>
+          </a:p>
+        </p:txBody>
+      </p:sp>
+      <p:sp useBgFill="1">
+        <p:nvSpPr>
+          <p:cNvPr id="1041" name="Rectangle 1040">
+            <a:extLst>
+              <a:ext uri="{FF2B5EF4-FFF2-40B4-BE49-F238E27FC236}">
+                <a16:creationId xmlns:a16="http://schemas.microsoft.com/office/drawing/2014/main" id="{55A52C45-1FCB-4636-A80F-2849B8226C01}"/>
+              </a:ext>
+              <a:ext uri="{C183D7F6-B498-43B3-948B-1728B52AA6E4}">
+                <adec:decorative xmlns:adec="http://schemas.microsoft.com/office/drawing/2017/decorative" val="1"/>
+              </a:ext>
+            </a:extLst>
+          </p:cNvPr>
+          <p:cNvSpPr>
+            <a:spLocks noGrp="1" noRot="1" noChangeAspect="1" noMove="1" noResize="1" noEditPoints="1" noAdjustHandles="1" noChangeArrowheads="1" noChangeShapeType="1" noTextEdit="1"/>
+          </p:cNvSpPr>
+          <p:nvPr>
+            <p:extLst>
+              <p:ext uri="{386F3935-93C4-4BCD-93E2-E3B085C9AB24}">
+                <p16:designElem xmlns:p16="http://schemas.microsoft.com/office/powerpoint/2015/main" val="1"/>
+              </p:ext>
+            </p:extLst>
+          </p:nvPr>
+        </p:nvSpPr>
+        <p:spPr>
+          <a:xfrm>
+            <a:off x="566928" y="0"/>
+            <a:ext cx="11155680" cy="2011680"/>
+          </a:xfrm>
+          <a:prstGeom prst="rect">
+            <a:avLst/>
+          </a:prstGeom>
+          <a:ln w="12700">
+            <a:noFill/>
+          </a:ln>
+          <a:effectLst/>
+        </p:spPr>
+        <p:style>
+          <a:lnRef idx="2">
+            <a:schemeClr val="accent1">
+              <a:shade val="50000"/>
+            </a:schemeClr>
+          </a:lnRef>
+          <a:fillRef idx="1">
+            <a:schemeClr val="accent1"/>
+          </a:fillRef>
+          <a:effectRef idx="0">
+            <a:schemeClr val="accent1"/>
+          </a:effectRef>
+          <a:fontRef idx="minor">
+            <a:schemeClr val="lt1"/>
+          </a:fontRef>
+        </p:style>
+        <p:txBody>
+          <a:bodyPr rtlCol="0" anchor="ctr"/>
+          <a:lstStyle/>
+          <a:p>
+            <a:pPr marL="0" marR="0" lvl="0" indent="0" algn="ctr" defTabSz="914400" rtl="0" eaLnBrk="1" fontAlgn="auto" latinLnBrk="0" hangingPunct="1">
+              <a:lnSpc>
+                <a:spcPct val="100000"/>
+              </a:lnSpc>
+              <a:spcBef>
+                <a:spcPts val="0"/>
+              </a:spcBef>
+              <a:spcAft>
+                <a:spcPts val="0"/>
+              </a:spcAft>
+              <a:buClrTx/>
+              <a:buSzTx/>
+              <a:buFontTx/>
+              <a:buNone/>
+              <a:tabLst/>
+              <a:defRPr/>
+            </a:pPr>
+            <a:endParaRPr kumimoji="0" lang="en-US" sz="1800" b="0" i="0" u="none" strike="noStrike" kern="1200" cap="none" spc="0" normalizeH="0" baseline="0" noProof="0">
+              <a:ln>
+                <a:noFill/>
+              </a:ln>
+              <a:solidFill>
+                <a:prstClr val="white"/>
+              </a:solidFill>
+              <a:effectLst/>
+              <a:uLnTx/>
+              <a:uFillTx/>
+              <a:latin typeface="Calibri" panose="020F0502020204030204"/>
+              <a:ea typeface="+mn-ea"/>
+              <a:cs typeface="+mn-cs"/>
+            </a:endParaRPr>
+          </a:p>
+        </p:txBody>
+      </p:sp>
+      <p:sp>
+        <p:nvSpPr>
+          <p:cNvPr id="2" name="Title 1">
+            <a:extLst>
+              <a:ext uri="{FF2B5EF4-FFF2-40B4-BE49-F238E27FC236}">
+                <a16:creationId xmlns:a16="http://schemas.microsoft.com/office/drawing/2014/main" id="{E9FCED52-8964-2566-4BC7-285D1E71DF62}"/>
+              </a:ext>
+            </a:extLst>
+          </p:cNvPr>
+          <p:cNvSpPr>
+            <a:spLocks noGrp="1"/>
+          </p:cNvSpPr>
+          <p:nvPr>
+            <p:ph type="ctrTitle"/>
+          </p:nvPr>
+        </p:nvSpPr>
+        <p:spPr>
+          <a:xfrm>
+            <a:off x="1115568" y="548640"/>
+            <a:ext cx="10168128" cy="1179576"/>
+          </a:xfrm>
+        </p:spPr>
+        <p:txBody>
+          <a:bodyPr vert="horz" lIns="91440" tIns="45720" rIns="91440" bIns="45720" rtlCol="0" anchor="ctr">
+            <a:normAutofit/>
+          </a:bodyPr>
+          <a:lstStyle/>
+          <a:p>
+            <a:r>
+              <a:rPr lang="en-US" sz="3700" b="1" dirty="0"/>
+              <a:t>EC2 CLI</a:t>
+            </a:r>
+          </a:p>
+        </p:txBody>
+      </p:sp>
+      <p:sp>
+        <p:nvSpPr>
+          <p:cNvPr id="1043" name="Rectangle 1042">
+            <a:extLst>
+              <a:ext uri="{FF2B5EF4-FFF2-40B4-BE49-F238E27FC236}">
+                <a16:creationId xmlns:a16="http://schemas.microsoft.com/office/drawing/2014/main" id="{768EB4DD-3704-43AD-92B3-C4E0C6EA92CB}"/>
+              </a:ext>
+              <a:ext uri="{C183D7F6-B498-43B3-948B-1728B52AA6E4}">
+                <adec:decorative xmlns:adec="http://schemas.microsoft.com/office/drawing/2017/decorative" val="1"/>
+              </a:ext>
+            </a:extLst>
+          </p:cNvPr>
+          <p:cNvSpPr>
+            <a:spLocks noGrp="1" noRot="1" noChangeAspect="1" noMove="1" noResize="1" noEditPoints="1" noAdjustHandles="1" noChangeArrowheads="1" noChangeShapeType="1" noTextEdit="1"/>
+          </p:cNvSpPr>
+          <p:nvPr>
+            <p:extLst>
+              <p:ext uri="{386F3935-93C4-4BCD-93E2-E3B085C9AB24}">
+                <p16:designElem xmlns:p16="http://schemas.microsoft.com/office/powerpoint/2015/main" val="1"/>
+              </p:ext>
+            </p:extLst>
+          </p:nvPr>
+        </p:nvSpPr>
+        <p:spPr>
+          <a:xfrm>
+            <a:off x="498834" y="770799"/>
+            <a:ext cx="128016" cy="704088"/>
+          </a:xfrm>
+          <a:prstGeom prst="rect">
+            <a:avLst/>
+          </a:prstGeom>
+          <a:solidFill>
+            <a:schemeClr val="accent1"/>
+          </a:solidFill>
+          <a:ln>
+            <a:noFill/>
+          </a:ln>
+        </p:spPr>
+        <p:style>
+          <a:lnRef idx="2">
+            <a:schemeClr val="accent1">
+              <a:shade val="50000"/>
+            </a:schemeClr>
+          </a:lnRef>
+          <a:fillRef idx="1">
+            <a:schemeClr val="accent1"/>
+          </a:fillRef>
+          <a:effectRef idx="0">
+            <a:schemeClr val="accent1"/>
+          </a:effectRef>
+          <a:fontRef idx="minor">
+            <a:schemeClr val="lt1"/>
+          </a:fontRef>
+        </p:style>
+        <p:txBody>
+          <a:bodyPr rtlCol="0" anchor="ctr"/>
+          <a:lstStyle/>
+          <a:p>
+            <a:pPr marL="0" marR="0" lvl="0" indent="0" algn="ctr" defTabSz="914400" rtl="0" eaLnBrk="1" fontAlgn="auto" latinLnBrk="0" hangingPunct="1">
+              <a:lnSpc>
+                <a:spcPct val="100000"/>
+              </a:lnSpc>
+              <a:spcBef>
+                <a:spcPts val="0"/>
+              </a:spcBef>
+              <a:spcAft>
+                <a:spcPts val="0"/>
+              </a:spcAft>
+              <a:buClrTx/>
+              <a:buSzTx/>
+              <a:buFontTx/>
+              <a:buNone/>
+              <a:tabLst/>
+              <a:defRPr/>
+            </a:pPr>
+            <a:endParaRPr kumimoji="0" lang="en-US" sz="1800" b="0" i="0" u="none" strike="noStrike" kern="1200" cap="none" spc="0" normalizeH="0" baseline="0" noProof="0">
+              <a:ln>
+                <a:noFill/>
+              </a:ln>
+              <a:solidFill>
+                <a:prstClr val="white"/>
+              </a:solidFill>
+              <a:effectLst/>
+              <a:uLnTx/>
+              <a:uFillTx/>
+              <a:latin typeface="Calibri" panose="020F0502020204030204"/>
+              <a:ea typeface="+mn-ea"/>
+              <a:cs typeface="+mn-cs"/>
+            </a:endParaRPr>
+          </a:p>
+        </p:txBody>
+      </p:sp>
+      <p:sp>
+        <p:nvSpPr>
+          <p:cNvPr id="6" name="Subtitle 5">
+            <a:extLst>
+              <a:ext uri="{FF2B5EF4-FFF2-40B4-BE49-F238E27FC236}">
+                <a16:creationId xmlns:a16="http://schemas.microsoft.com/office/drawing/2014/main" id="{B98A3AE8-B152-F070-372A-4C28DAD5D648}"/>
+              </a:ext>
+            </a:extLst>
+          </p:cNvPr>
+          <p:cNvSpPr>
+            <a:spLocks noGrp="1"/>
+          </p:cNvSpPr>
+          <p:nvPr>
+            <p:ph type="subTitle" idx="1"/>
+          </p:nvPr>
+        </p:nvSpPr>
+        <p:spPr>
+          <a:xfrm>
+            <a:off x="4317228" y="2011680"/>
+            <a:ext cx="7405381" cy="4846320"/>
+          </a:xfrm>
+        </p:spPr>
+        <p:txBody>
+          <a:bodyPr vert="horz" lIns="91440" tIns="45720" rIns="91440" bIns="45720" rtlCol="0" anchor="t">
+            <a:normAutofit/>
+          </a:bodyPr>
+          <a:lstStyle/>
+          <a:p>
+            <a:pPr marL="971550" lvl="1" indent="-228600" algn="l">
+              <a:lnSpc>
+                <a:spcPct val="100000"/>
+              </a:lnSpc>
+              <a:buFont typeface="Arial" panose="020B0604020202020204" pitchFamily="34" charset="0"/>
+              <a:buChar char="•"/>
+            </a:pPr>
+            <a:endParaRPr lang="en-US" sz="1800" dirty="0"/>
+          </a:p>
+          <a:p>
+            <a:pPr marL="971550" lvl="1" indent="-228600" algn="l">
+              <a:lnSpc>
+                <a:spcPct val="100000"/>
+              </a:lnSpc>
+              <a:buFont typeface="Arial" panose="020B0604020202020204" pitchFamily="34" charset="0"/>
+              <a:buChar char="•"/>
+            </a:pPr>
+            <a:r>
+              <a:rPr lang="en-US" sz="1800" dirty="0"/>
+              <a:t>AWS ile erişim komut satırı üzerinden </a:t>
+            </a:r>
+            <a:r>
+              <a:rPr lang="en-US" sz="1800" dirty="0" err="1"/>
+              <a:t>yapmanıza</a:t>
+            </a:r>
+            <a:r>
+              <a:rPr lang="en-US" sz="1800" dirty="0"/>
+              <a:t> </a:t>
+            </a:r>
+            <a:r>
+              <a:rPr lang="en-US" sz="1800" dirty="0" err="1"/>
+              <a:t>imkan</a:t>
+            </a:r>
+            <a:r>
+              <a:rPr lang="en-US" sz="1800" dirty="0"/>
+              <a:t> verir.</a:t>
+            </a:r>
+          </a:p>
+          <a:p>
+            <a:pPr marL="971550" lvl="1" indent="-228600" algn="l">
+              <a:lnSpc>
+                <a:spcPct val="100000"/>
+              </a:lnSpc>
+              <a:buFont typeface="Arial" panose="020B0604020202020204" pitchFamily="34" charset="0"/>
+              <a:buChar char="•"/>
+            </a:pPr>
+            <a:r>
+              <a:rPr lang="en-US" sz="1800" dirty="0"/>
+              <a:t>CLI için öncelikli EC2 </a:t>
+            </a:r>
+            <a:r>
+              <a:rPr lang="en-US" sz="1800" dirty="0" err="1"/>
+              <a:t>başlatmanız</a:t>
+            </a:r>
+            <a:r>
+              <a:rPr lang="en-US" sz="1800" dirty="0"/>
+              <a:t> </a:t>
+            </a:r>
+            <a:r>
+              <a:rPr lang="en-US" sz="1800" dirty="0" err="1"/>
+              <a:t>sonrasında</a:t>
+            </a:r>
+            <a:r>
+              <a:rPr lang="en-US" sz="1800" dirty="0"/>
+              <a:t> ise IAM üzerinden Role </a:t>
+            </a:r>
+            <a:r>
+              <a:rPr lang="en-US" sz="1800" dirty="0" err="1"/>
+              <a:t>tanımlamanızı</a:t>
+            </a:r>
+            <a:r>
+              <a:rPr lang="en-US" sz="1800" dirty="0"/>
+              <a:t> </a:t>
+            </a:r>
+            <a:r>
+              <a:rPr lang="en-US" sz="1800" dirty="0" err="1"/>
+              <a:t>yapmanız</a:t>
+            </a:r>
+            <a:r>
+              <a:rPr lang="en-US" sz="1800" dirty="0"/>
+              <a:t> </a:t>
+            </a:r>
+            <a:r>
+              <a:rPr lang="en-US" sz="1800" dirty="0" err="1"/>
+              <a:t>gerekmektedir</a:t>
+            </a:r>
+            <a:r>
+              <a:rPr lang="en-US" sz="1800" dirty="0"/>
+              <a:t>.</a:t>
+            </a:r>
+          </a:p>
+          <a:p>
+            <a:pPr marL="971550" lvl="1" indent="-228600" algn="l">
+              <a:lnSpc>
+                <a:spcPct val="100000"/>
+              </a:lnSpc>
+              <a:buFont typeface="Arial" panose="020B0604020202020204" pitchFamily="34" charset="0"/>
+              <a:buChar char="•"/>
+            </a:pPr>
+            <a:endParaRPr lang="en-US" sz="1800" dirty="0"/>
+          </a:p>
+          <a:p>
+            <a:pPr marL="971550" lvl="1" indent="-228600" algn="l">
+              <a:lnSpc>
+                <a:spcPct val="100000"/>
+              </a:lnSpc>
+              <a:buFont typeface="Arial" panose="020B0604020202020204" pitchFamily="34" charset="0"/>
+              <a:buChar char="•"/>
+            </a:pPr>
+            <a:r>
+              <a:rPr lang="en-US" sz="1800" dirty="0" err="1"/>
+              <a:t>aws</a:t>
+            </a:r>
+            <a:r>
+              <a:rPr lang="en-US" sz="1800" dirty="0"/>
+              <a:t> </a:t>
+            </a:r>
+            <a:r>
+              <a:rPr lang="en-US" sz="1800" dirty="0" err="1"/>
+              <a:t>sts</a:t>
+            </a:r>
+            <a:r>
+              <a:rPr lang="en-US" sz="1800" dirty="0"/>
+              <a:t> get-caller-identity</a:t>
+            </a:r>
+          </a:p>
+          <a:p>
+            <a:pPr marL="971550" lvl="1" indent="-228600" algn="l">
+              <a:lnSpc>
+                <a:spcPct val="100000"/>
+              </a:lnSpc>
+              <a:buFont typeface="Arial" panose="020B0604020202020204" pitchFamily="34" charset="0"/>
+              <a:buChar char="•"/>
+            </a:pPr>
+            <a:r>
+              <a:rPr lang="en-US" sz="1800" dirty="0" err="1"/>
+              <a:t>aws</a:t>
+            </a:r>
+            <a:r>
+              <a:rPr lang="en-US" sz="1800" dirty="0"/>
+              <a:t> s3 ls</a:t>
+            </a:r>
+          </a:p>
+          <a:p>
+            <a:pPr marL="971550" lvl="1" indent="-228600" algn="l">
+              <a:lnSpc>
+                <a:spcPct val="100000"/>
+              </a:lnSpc>
+              <a:buFont typeface="Arial" panose="020B0604020202020204" pitchFamily="34" charset="0"/>
+              <a:buChar char="•"/>
+            </a:pPr>
+            <a:r>
+              <a:rPr lang="en-US" sz="1800" dirty="0" err="1"/>
+              <a:t>aws</a:t>
+            </a:r>
+            <a:r>
+              <a:rPr lang="en-US" sz="1800" dirty="0"/>
+              <a:t> s3 mb s3://BUCKET_NAME</a:t>
+            </a:r>
+          </a:p>
+          <a:p>
+            <a:pPr marL="971550" lvl="1" indent="-228600" algn="l">
+              <a:lnSpc>
+                <a:spcPct val="100000"/>
+              </a:lnSpc>
+              <a:buFont typeface="Arial" panose="020B0604020202020204" pitchFamily="34" charset="0"/>
+              <a:buChar char="•"/>
+            </a:pPr>
+            <a:r>
+              <a:rPr lang="en-US" sz="1800" dirty="0" err="1"/>
+              <a:t>aws</a:t>
+            </a:r>
+            <a:r>
+              <a:rPr lang="en-US" sz="1800" dirty="0"/>
+              <a:t> s3 mb cp </a:t>
+            </a:r>
+            <a:r>
+              <a:rPr lang="en-US" sz="1800" dirty="0" err="1"/>
+              <a:t>hello.txt</a:t>
+            </a:r>
+            <a:r>
+              <a:rPr lang="en-US" sz="1800" dirty="0"/>
+              <a:t> s3://BUCKET_NAME</a:t>
+            </a:r>
+          </a:p>
+          <a:p>
+            <a:pPr marL="971550" lvl="1" indent="-228600" algn="l">
+              <a:lnSpc>
+                <a:spcPct val="100000"/>
+              </a:lnSpc>
+              <a:buFont typeface="Arial" panose="020B0604020202020204" pitchFamily="34" charset="0"/>
+              <a:buChar char="•"/>
+            </a:pPr>
+            <a:endParaRPr lang="en-US" sz="1800" dirty="0"/>
+          </a:p>
+          <a:p>
+            <a:pPr marL="971550" lvl="1" indent="-228600" algn="l">
+              <a:lnSpc>
+                <a:spcPct val="100000"/>
+              </a:lnSpc>
+              <a:buFont typeface="Arial" panose="020B0604020202020204" pitchFamily="34" charset="0"/>
+              <a:buChar char="•"/>
+            </a:pPr>
+            <a:r>
+              <a:rPr lang="en-US" sz="1800" dirty="0"/>
+              <a:t>CLI da her zaman </a:t>
+            </a:r>
+            <a:r>
+              <a:rPr lang="en-US" sz="1800" dirty="0" err="1"/>
+              <a:t>enaz</a:t>
+            </a:r>
+            <a:r>
+              <a:rPr lang="en-US" sz="1800" dirty="0"/>
+              <a:t> </a:t>
+            </a:r>
+            <a:r>
+              <a:rPr lang="en-US" sz="1800" dirty="0" err="1"/>
+              <a:t>ayrıcalık</a:t>
+            </a:r>
+            <a:r>
+              <a:rPr lang="en-US" sz="1800" dirty="0"/>
+              <a:t> </a:t>
+            </a:r>
+            <a:r>
+              <a:rPr lang="en-US" sz="1800" dirty="0" err="1"/>
+              <a:t>ilkesini</a:t>
+            </a:r>
+            <a:r>
+              <a:rPr lang="en-US" sz="1800" dirty="0"/>
+              <a:t> </a:t>
+            </a:r>
+            <a:r>
+              <a:rPr lang="en-US" sz="1800" dirty="0" err="1"/>
+              <a:t>seçiniz</a:t>
+            </a:r>
+            <a:r>
+              <a:rPr lang="en-US" sz="1800" dirty="0"/>
+              <a:t>. </a:t>
+            </a:r>
+            <a:r>
+              <a:rPr lang="en-US" sz="1800" dirty="0" err="1"/>
+              <a:t>Yani</a:t>
+            </a:r>
+            <a:r>
+              <a:rPr lang="en-US" sz="1800" dirty="0"/>
+              <a:t> Role </a:t>
+            </a:r>
+            <a:r>
+              <a:rPr lang="en-US" sz="1800" dirty="0" err="1"/>
+              <a:t>bazlı</a:t>
+            </a:r>
+            <a:r>
+              <a:rPr lang="en-US" sz="1800" dirty="0"/>
+              <a:t> en </a:t>
+            </a:r>
+            <a:r>
+              <a:rPr lang="en-US" sz="1800" dirty="0" err="1"/>
+              <a:t>az</a:t>
+            </a:r>
+            <a:r>
+              <a:rPr lang="en-US" sz="1800" dirty="0"/>
+              <a:t> </a:t>
+            </a:r>
+            <a:r>
+              <a:rPr lang="en-US" sz="1800" dirty="0" err="1"/>
+              <a:t>izin</a:t>
+            </a:r>
+            <a:r>
+              <a:rPr lang="en-US" sz="1800" dirty="0"/>
+              <a:t> </a:t>
+            </a:r>
+            <a:r>
+              <a:rPr lang="en-US" sz="1800" dirty="0" err="1"/>
+              <a:t>vererek</a:t>
+            </a:r>
+            <a:r>
+              <a:rPr lang="en-US" sz="1800" dirty="0"/>
+              <a:t> kullanıcıya erişim </a:t>
+            </a:r>
+            <a:r>
+              <a:rPr lang="en-US" sz="1800" dirty="0" err="1"/>
+              <a:t>imkanı</a:t>
+            </a:r>
+            <a:r>
+              <a:rPr lang="en-US" sz="1800" dirty="0"/>
+              <a:t> </a:t>
+            </a:r>
+            <a:r>
+              <a:rPr lang="en-US" sz="1800" dirty="0" err="1"/>
+              <a:t>sununuz</a:t>
+            </a:r>
+            <a:r>
+              <a:rPr lang="en-US" sz="1800" dirty="0"/>
+              <a:t>.</a:t>
+            </a:r>
+          </a:p>
+          <a:p>
+            <a:pPr marL="971550" lvl="1" indent="-228600" algn="l">
+              <a:lnSpc>
+                <a:spcPct val="100000"/>
+              </a:lnSpc>
+              <a:buFont typeface="Arial" panose="020B0604020202020204" pitchFamily="34" charset="0"/>
+              <a:buChar char="•"/>
+            </a:pPr>
+            <a:r>
+              <a:rPr lang="en-US" sz="1800" dirty="0"/>
+              <a:t>Grup </a:t>
+            </a:r>
+            <a:r>
+              <a:rPr lang="en-US" sz="1800" dirty="0" err="1"/>
+              <a:t>bazlı</a:t>
+            </a:r>
+            <a:r>
+              <a:rPr lang="en-US" sz="1800" dirty="0"/>
+              <a:t> </a:t>
+            </a:r>
+            <a:r>
+              <a:rPr lang="en-US" sz="1800" dirty="0" err="1"/>
+              <a:t>çalışarak</a:t>
+            </a:r>
+            <a:r>
+              <a:rPr lang="en-US" sz="1800" dirty="0"/>
+              <a:t> </a:t>
+            </a:r>
+            <a:r>
+              <a:rPr lang="en-US" sz="1800" dirty="0" err="1"/>
+              <a:t>kullanıcılarınızı</a:t>
+            </a:r>
+            <a:r>
+              <a:rPr lang="en-US" sz="1800" dirty="0"/>
+              <a:t> bu </a:t>
+            </a:r>
+            <a:r>
+              <a:rPr lang="en-US" sz="1800" dirty="0" err="1"/>
+              <a:t>gruplara</a:t>
+            </a:r>
+            <a:r>
+              <a:rPr lang="en-US" sz="1800" dirty="0"/>
+              <a:t> </a:t>
+            </a:r>
+            <a:r>
+              <a:rPr lang="en-US" sz="1800" dirty="0" err="1"/>
+              <a:t>atayınız</a:t>
+            </a:r>
+            <a:r>
+              <a:rPr lang="en-US" sz="1800"/>
+              <a:t>.</a:t>
+            </a:r>
+            <a:endParaRPr lang="en-US" sz="1800" dirty="0"/>
+          </a:p>
+          <a:p>
+            <a:pPr marL="971550" lvl="1" indent="-228600" algn="l">
+              <a:lnSpc>
+                <a:spcPct val="100000"/>
+              </a:lnSpc>
+              <a:buFont typeface="Arial" panose="020B0604020202020204" pitchFamily="34" charset="0"/>
+              <a:buChar char="•"/>
+            </a:pPr>
+            <a:endParaRPr lang="en-US" sz="1800" dirty="0"/>
+          </a:p>
+        </p:txBody>
+      </p:sp>
+      <p:pic>
+        <p:nvPicPr>
+          <p:cNvPr id="3074" name="Picture 2" descr="The Magic Of AWS CLI v2. We have seen the movies where a person… | by  Dipaditya Das | Medium">
+            <a:extLst>
+              <a:ext uri="{FF2B5EF4-FFF2-40B4-BE49-F238E27FC236}">
+                <a16:creationId xmlns:a16="http://schemas.microsoft.com/office/drawing/2014/main" id="{CFE889FD-39E3-9347-4186-ACB35FD3E384}"/>
+              </a:ext>
+            </a:extLst>
+          </p:cNvPr>
+          <p:cNvPicPr>
+            <a:picLocks noChangeAspect="1" noChangeArrowheads="1"/>
+          </p:cNvPicPr>
+          <p:nvPr/>
+        </p:nvPicPr>
+        <p:blipFill>
+          <a:blip r:embed="rId2">
+            <a:extLst>
+              <a:ext uri="{28A0092B-C50C-407E-A947-70E740481C1C}">
+                <a14:useLocalDpi xmlns:a14="http://schemas.microsoft.com/office/drawing/2010/main" val="0"/>
+              </a:ext>
+            </a:extLst>
+          </a:blip>
+          <a:srcRect/>
+          <a:stretch>
+            <a:fillRect/>
+          </a:stretch>
+        </p:blipFill>
+        <p:spPr bwMode="auto">
+          <a:xfrm>
+            <a:off x="1115568" y="2961894"/>
+            <a:ext cx="3142285" cy="2945892"/>
+          </a:xfrm>
+          <a:prstGeom prst="rect">
+            <a:avLst/>
+          </a:prstGeom>
+          <a:noFill/>
+          <a:extLst>
+            <a:ext uri="{909E8E84-426E-40DD-AFC4-6F175D3DCCD1}">
+              <a14:hiddenFill xmlns:a14="http://schemas.microsoft.com/office/drawing/2010/main">
+                <a:solidFill>
+                  <a:srgbClr val="FFFFFF"/>
+                </a:solidFill>
+              </a14:hiddenFill>
+            </a:ext>
+          </a:extLst>
+        </p:spPr>
+      </p:pic>
+    </p:spTree>
+    <p:extLst>
+      <p:ext uri="{BB962C8B-B14F-4D97-AF65-F5344CB8AC3E}">
+        <p14:creationId xmlns:p14="http://schemas.microsoft.com/office/powerpoint/2010/main" val="1968526462"/>
+      </p:ext>
+    </p:extLst>
+  </p:cSld>
+  <p:clrMapOvr>
+    <a:masterClrMapping/>
+  </p:clrMapOvr>
+</p:sld>
+</file>
+
 <file path=ppt/theme/theme1.xml><?xml version="1.0" encoding="utf-8"?>
 <a:theme xmlns:a="http://schemas.openxmlformats.org/drawingml/2006/main" name="AccentBoxVTI">
   <a:themeElements>
